--- a/iot-basic/images/powerbi.pptx
+++ b/iot-basic/images/powerbi.pptx
@@ -230,7 +230,7 @@
           <a:p>
             <a:fld id="{565E6598-4F9A-574E-9E18-683050D2F55C}" type="datetimeFigureOut">
               <a:rPr kumimoji="1" lang="ja-JP" altLang="en-US" smtClean="0"/>
-              <a:t>2018/9/17</a:t>
+              <a:t>2018/9/19</a:t>
             </a:fld>
             <a:endParaRPr kumimoji="1" lang="ja-JP" altLang="en-US"/>
           </a:p>
@@ -735,7 +735,7 @@
           <a:p>
             <a:fld id="{423E73C1-A55A-E744-B6CD-C2F9DA663573}" type="datetimeFigureOut">
               <a:rPr kumimoji="1" lang="ja-JP" altLang="en-US" smtClean="0"/>
-              <a:t>2018/9/17</a:t>
+              <a:t>2018/9/19</a:t>
             </a:fld>
             <a:endParaRPr kumimoji="1" lang="ja-JP" altLang="en-US"/>
           </a:p>
@@ -940,7 +940,7 @@
           <a:p>
             <a:fld id="{423E73C1-A55A-E744-B6CD-C2F9DA663573}" type="datetimeFigureOut">
               <a:rPr kumimoji="1" lang="ja-JP" altLang="en-US" smtClean="0"/>
-              <a:t>2018/9/17</a:t>
+              <a:t>2018/9/19</a:t>
             </a:fld>
             <a:endParaRPr kumimoji="1" lang="ja-JP" altLang="en-US"/>
           </a:p>
@@ -1155,7 +1155,7 @@
           <a:p>
             <a:fld id="{423E73C1-A55A-E744-B6CD-C2F9DA663573}" type="datetimeFigureOut">
               <a:rPr kumimoji="1" lang="ja-JP" altLang="en-US" smtClean="0"/>
-              <a:t>2018/9/17</a:t>
+              <a:t>2018/9/19</a:t>
             </a:fld>
             <a:endParaRPr kumimoji="1" lang="ja-JP" altLang="en-US"/>
           </a:p>
@@ -1360,7 +1360,7 @@
           <a:p>
             <a:fld id="{423E73C1-A55A-E744-B6CD-C2F9DA663573}" type="datetimeFigureOut">
               <a:rPr kumimoji="1" lang="ja-JP" altLang="en-US" smtClean="0"/>
-              <a:t>2018/9/17</a:t>
+              <a:t>2018/9/19</a:t>
             </a:fld>
             <a:endParaRPr kumimoji="1" lang="ja-JP" altLang="en-US"/>
           </a:p>
@@ -1670,7 +1670,7 @@
           <a:p>
             <a:fld id="{423E73C1-A55A-E744-B6CD-C2F9DA663573}" type="datetimeFigureOut">
               <a:rPr kumimoji="1" lang="ja-JP" altLang="en-US" smtClean="0"/>
-              <a:t>2018/9/17</a:t>
+              <a:t>2018/9/19</a:t>
             </a:fld>
             <a:endParaRPr kumimoji="1" lang="ja-JP" altLang="en-US"/>
           </a:p>
@@ -1949,7 +1949,7 @@
           <a:p>
             <a:fld id="{423E73C1-A55A-E744-B6CD-C2F9DA663573}" type="datetimeFigureOut">
               <a:rPr kumimoji="1" lang="ja-JP" altLang="en-US" smtClean="0"/>
-              <a:t>2018/9/17</a:t>
+              <a:t>2018/9/19</a:t>
             </a:fld>
             <a:endParaRPr kumimoji="1" lang="ja-JP" altLang="en-US"/>
           </a:p>
@@ -2445,7 +2445,7 @@
           <a:p>
             <a:fld id="{423E73C1-A55A-E744-B6CD-C2F9DA663573}" type="datetimeFigureOut">
               <a:rPr kumimoji="1" lang="ja-JP" altLang="en-US" smtClean="0"/>
-              <a:t>2018/9/17</a:t>
+              <a:t>2018/9/19</a:t>
             </a:fld>
             <a:endParaRPr kumimoji="1" lang="ja-JP" altLang="en-US"/>
           </a:p>
@@ -2597,7 +2597,7 @@
           <a:p>
             <a:fld id="{423E73C1-A55A-E744-B6CD-C2F9DA663573}" type="datetimeFigureOut">
               <a:rPr kumimoji="1" lang="ja-JP" altLang="en-US" smtClean="0"/>
-              <a:t>2018/9/17</a:t>
+              <a:t>2018/9/19</a:t>
             </a:fld>
             <a:endParaRPr kumimoji="1" lang="ja-JP" altLang="en-US"/>
           </a:p>
@@ -2710,7 +2710,7 @@
           <a:p>
             <a:fld id="{423E73C1-A55A-E744-B6CD-C2F9DA663573}" type="datetimeFigureOut">
               <a:rPr kumimoji="1" lang="ja-JP" altLang="en-US" smtClean="0"/>
-              <a:t>2018/9/17</a:t>
+              <a:t>2018/9/19</a:t>
             </a:fld>
             <a:endParaRPr kumimoji="1" lang="ja-JP" altLang="en-US"/>
           </a:p>
@@ -3063,7 +3063,7 @@
           <a:p>
             <a:fld id="{423E73C1-A55A-E744-B6CD-C2F9DA663573}" type="datetimeFigureOut">
               <a:rPr kumimoji="1" lang="ja-JP" altLang="en-US" smtClean="0"/>
-              <a:t>2018/9/17</a:t>
+              <a:t>2018/9/19</a:t>
             </a:fld>
             <a:endParaRPr kumimoji="1" lang="ja-JP" altLang="en-US"/>
           </a:p>
@@ -3386,7 +3386,7 @@
           <a:p>
             <a:fld id="{423E73C1-A55A-E744-B6CD-C2F9DA663573}" type="datetimeFigureOut">
               <a:rPr kumimoji="1" lang="ja-JP" altLang="en-US" smtClean="0"/>
-              <a:t>2018/9/17</a:t>
+              <a:t>2018/9/19</a:t>
             </a:fld>
             <a:endParaRPr kumimoji="1" lang="ja-JP" altLang="en-US"/>
           </a:p>
@@ -3634,7 +3634,7 @@
           <a:p>
             <a:fld id="{423E73C1-A55A-E744-B6CD-C2F9DA663573}" type="datetimeFigureOut">
               <a:rPr kumimoji="1" lang="ja-JP" altLang="en-US" smtClean="0"/>
-              <a:t>2018/9/17</a:t>
+              <a:t>2018/9/19</a:t>
             </a:fld>
             <a:endParaRPr kumimoji="1" lang="ja-JP" altLang="en-US"/>
           </a:p>
@@ -5209,6 +5209,180 @@
           </a:prstGeom>
         </p:spPr>
       </p:pic>
+      <p:sp>
+        <p:nvSpPr>
+          <p:cNvPr id="3" name="円/楕円 2">
+            <a:extLst>
+              <a:ext uri="{FF2B5EF4-FFF2-40B4-BE49-F238E27FC236}">
+                <a16:creationId xmlns:a16="http://schemas.microsoft.com/office/drawing/2014/main" id="{B7558C20-565C-CD49-A03F-C58B9B4EA899}"/>
+              </a:ext>
+            </a:extLst>
+          </p:cNvPr>
+          <p:cNvSpPr/>
+          <p:nvPr/>
+        </p:nvSpPr>
+        <p:spPr>
+          <a:xfrm>
+            <a:off x="2483893" y="832513"/>
+            <a:ext cx="382137" cy="395786"/>
+          </a:xfrm>
+          <a:prstGeom prst="ellipse">
+            <a:avLst/>
+          </a:prstGeom>
+          <a:solidFill>
+            <a:schemeClr val="bg1"/>
+          </a:solidFill>
+          <a:ln>
+            <a:noFill/>
+          </a:ln>
+        </p:spPr>
+        <p:style>
+          <a:lnRef idx="2">
+            <a:schemeClr val="accent1">
+              <a:shade val="50000"/>
+            </a:schemeClr>
+          </a:lnRef>
+          <a:fillRef idx="1">
+            <a:schemeClr val="accent1"/>
+          </a:fillRef>
+          <a:effectRef idx="0">
+            <a:schemeClr val="accent1"/>
+          </a:effectRef>
+          <a:fontRef idx="minor">
+            <a:schemeClr val="lt1"/>
+          </a:fontRef>
+        </p:style>
+        <p:txBody>
+          <a:bodyPr rtlCol="0" anchor="ctr"/>
+          <a:lstStyle/>
+          <a:p>
+            <a:pPr algn="ctr"/>
+            <a:endParaRPr kumimoji="1" lang="ja-JP" altLang="en-US"/>
+          </a:p>
+        </p:txBody>
+      </p:sp>
+      <p:grpSp>
+        <p:nvGrpSpPr>
+          <p:cNvPr id="7" name="グループ化 6">
+            <a:extLst>
+              <a:ext uri="{FF2B5EF4-FFF2-40B4-BE49-F238E27FC236}">
+                <a16:creationId xmlns:a16="http://schemas.microsoft.com/office/drawing/2014/main" id="{B9ED938F-8360-264A-8DAF-B766D6053EBA}"/>
+              </a:ext>
+            </a:extLst>
+          </p:cNvPr>
+          <p:cNvGrpSpPr/>
+          <p:nvPr/>
+        </p:nvGrpSpPr>
+        <p:grpSpPr>
+          <a:xfrm>
+            <a:off x="2579882" y="897082"/>
+            <a:ext cx="170246" cy="270510"/>
+            <a:chOff x="2555636" y="821254"/>
+            <a:chExt cx="232012" cy="363656"/>
+          </a:xfrm>
+        </p:grpSpPr>
+        <p:sp>
+          <p:nvSpPr>
+            <p:cNvPr id="4" name="円/楕円 3">
+              <a:extLst>
+                <a:ext uri="{FF2B5EF4-FFF2-40B4-BE49-F238E27FC236}">
+                  <a16:creationId xmlns:a16="http://schemas.microsoft.com/office/drawing/2014/main" id="{9ED7C5F5-434C-9048-B240-ECD90B88BBC7}"/>
+                </a:ext>
+              </a:extLst>
+            </p:cNvPr>
+            <p:cNvSpPr/>
+            <p:nvPr/>
+          </p:nvSpPr>
+          <p:spPr>
+            <a:xfrm>
+              <a:off x="2596580" y="821254"/>
+              <a:ext cx="150125" cy="150125"/>
+            </a:xfrm>
+            <a:prstGeom prst="ellipse">
+              <a:avLst/>
+            </a:prstGeom>
+            <a:ln>
+              <a:noFill/>
+            </a:ln>
+          </p:spPr>
+          <p:style>
+            <a:lnRef idx="2">
+              <a:schemeClr val="accent1">
+                <a:shade val="50000"/>
+              </a:schemeClr>
+            </a:lnRef>
+            <a:fillRef idx="1">
+              <a:schemeClr val="accent1"/>
+            </a:fillRef>
+            <a:effectRef idx="0">
+              <a:schemeClr val="accent1"/>
+            </a:effectRef>
+            <a:fontRef idx="minor">
+              <a:schemeClr val="lt1"/>
+            </a:fontRef>
+          </p:style>
+          <p:txBody>
+            <a:bodyPr rtlCol="0" anchor="ctr"/>
+            <a:lstStyle/>
+            <a:p>
+              <a:pPr algn="ctr"/>
+              <a:endParaRPr kumimoji="1" lang="ja-JP" altLang="en-US"/>
+            </a:p>
+          </p:txBody>
+        </p:sp>
+        <p:sp>
+          <p:nvSpPr>
+            <p:cNvPr id="6" name="片側の 2 つの角を丸めた四角形 5">
+              <a:extLst>
+                <a:ext uri="{FF2B5EF4-FFF2-40B4-BE49-F238E27FC236}">
+                  <a16:creationId xmlns:a16="http://schemas.microsoft.com/office/drawing/2014/main" id="{E82697A0-56C6-C941-B81F-B7455B594DA9}"/>
+                </a:ext>
+              </a:extLst>
+            </p:cNvPr>
+            <p:cNvSpPr/>
+            <p:nvPr/>
+          </p:nvSpPr>
+          <p:spPr>
+            <a:xfrm>
+              <a:off x="2555636" y="983643"/>
+              <a:ext cx="232012" cy="201267"/>
+            </a:xfrm>
+            <a:prstGeom prst="round2SameRect">
+              <a:avLst>
+                <a:gd name="adj1" fmla="val 50000"/>
+                <a:gd name="adj2" fmla="val 0"/>
+              </a:avLst>
+            </a:prstGeom>
+            <a:ln>
+              <a:noFill/>
+            </a:ln>
+          </p:spPr>
+          <p:style>
+            <a:lnRef idx="2">
+              <a:schemeClr val="accent1">
+                <a:shade val="50000"/>
+              </a:schemeClr>
+            </a:lnRef>
+            <a:fillRef idx="1">
+              <a:schemeClr val="accent1"/>
+            </a:fillRef>
+            <a:effectRef idx="0">
+              <a:schemeClr val="accent1"/>
+            </a:effectRef>
+            <a:fontRef idx="minor">
+              <a:schemeClr val="lt1"/>
+            </a:fontRef>
+          </p:style>
+          <p:txBody>
+            <a:bodyPr rtlCol="0" anchor="ctr"/>
+            <a:lstStyle/>
+            <a:p>
+              <a:pPr algn="ctr"/>
+              <a:endParaRPr kumimoji="1" lang="ja-JP" altLang="en-US"/>
+            </a:p>
+          </p:txBody>
+        </p:sp>
+      </p:grpSp>
     </p:spTree>
     <p:extLst>
       <p:ext uri="{BB962C8B-B14F-4D97-AF65-F5344CB8AC3E}">

--- a/iot-basic/images/powerbi.pptx
+++ b/iot-basic/images/powerbi.pptx
@@ -230,7 +230,7 @@
           <a:p>
             <a:fld id="{565E6598-4F9A-574E-9E18-683050D2F55C}" type="datetimeFigureOut">
               <a:rPr kumimoji="1" lang="ja-JP" altLang="en-US" smtClean="0"/>
-              <a:t>2018/9/19</a:t>
+              <a:t>2018/10/22</a:t>
             </a:fld>
             <a:endParaRPr kumimoji="1" lang="ja-JP" altLang="en-US"/>
           </a:p>
@@ -735,7 +735,7 @@
           <a:p>
             <a:fld id="{423E73C1-A55A-E744-B6CD-C2F9DA663573}" type="datetimeFigureOut">
               <a:rPr kumimoji="1" lang="ja-JP" altLang="en-US" smtClean="0"/>
-              <a:t>2018/9/19</a:t>
+              <a:t>2018/10/22</a:t>
             </a:fld>
             <a:endParaRPr kumimoji="1" lang="ja-JP" altLang="en-US"/>
           </a:p>
@@ -940,7 +940,7 @@
           <a:p>
             <a:fld id="{423E73C1-A55A-E744-B6CD-C2F9DA663573}" type="datetimeFigureOut">
               <a:rPr kumimoji="1" lang="ja-JP" altLang="en-US" smtClean="0"/>
-              <a:t>2018/9/19</a:t>
+              <a:t>2018/10/22</a:t>
             </a:fld>
             <a:endParaRPr kumimoji="1" lang="ja-JP" altLang="en-US"/>
           </a:p>
@@ -1155,7 +1155,7 @@
           <a:p>
             <a:fld id="{423E73C1-A55A-E744-B6CD-C2F9DA663573}" type="datetimeFigureOut">
               <a:rPr kumimoji="1" lang="ja-JP" altLang="en-US" smtClean="0"/>
-              <a:t>2018/9/19</a:t>
+              <a:t>2018/10/22</a:t>
             </a:fld>
             <a:endParaRPr kumimoji="1" lang="ja-JP" altLang="en-US"/>
           </a:p>
@@ -1360,7 +1360,7 @@
           <a:p>
             <a:fld id="{423E73C1-A55A-E744-B6CD-C2F9DA663573}" type="datetimeFigureOut">
               <a:rPr kumimoji="1" lang="ja-JP" altLang="en-US" smtClean="0"/>
-              <a:t>2018/9/19</a:t>
+              <a:t>2018/10/22</a:t>
             </a:fld>
             <a:endParaRPr kumimoji="1" lang="ja-JP" altLang="en-US"/>
           </a:p>
@@ -1670,7 +1670,7 @@
           <a:p>
             <a:fld id="{423E73C1-A55A-E744-B6CD-C2F9DA663573}" type="datetimeFigureOut">
               <a:rPr kumimoji="1" lang="ja-JP" altLang="en-US" smtClean="0"/>
-              <a:t>2018/9/19</a:t>
+              <a:t>2018/10/22</a:t>
             </a:fld>
             <a:endParaRPr kumimoji="1" lang="ja-JP" altLang="en-US"/>
           </a:p>
@@ -1949,7 +1949,7 @@
           <a:p>
             <a:fld id="{423E73C1-A55A-E744-B6CD-C2F9DA663573}" type="datetimeFigureOut">
               <a:rPr kumimoji="1" lang="ja-JP" altLang="en-US" smtClean="0"/>
-              <a:t>2018/9/19</a:t>
+              <a:t>2018/10/22</a:t>
             </a:fld>
             <a:endParaRPr kumimoji="1" lang="ja-JP" altLang="en-US"/>
           </a:p>
@@ -2445,7 +2445,7 @@
           <a:p>
             <a:fld id="{423E73C1-A55A-E744-B6CD-C2F9DA663573}" type="datetimeFigureOut">
               <a:rPr kumimoji="1" lang="ja-JP" altLang="en-US" smtClean="0"/>
-              <a:t>2018/9/19</a:t>
+              <a:t>2018/10/22</a:t>
             </a:fld>
             <a:endParaRPr kumimoji="1" lang="ja-JP" altLang="en-US"/>
           </a:p>
@@ -2597,7 +2597,7 @@
           <a:p>
             <a:fld id="{423E73C1-A55A-E744-B6CD-C2F9DA663573}" type="datetimeFigureOut">
               <a:rPr kumimoji="1" lang="ja-JP" altLang="en-US" smtClean="0"/>
-              <a:t>2018/9/19</a:t>
+              <a:t>2018/10/22</a:t>
             </a:fld>
             <a:endParaRPr kumimoji="1" lang="ja-JP" altLang="en-US"/>
           </a:p>
@@ -2710,7 +2710,7 @@
           <a:p>
             <a:fld id="{423E73C1-A55A-E744-B6CD-C2F9DA663573}" type="datetimeFigureOut">
               <a:rPr kumimoji="1" lang="ja-JP" altLang="en-US" smtClean="0"/>
-              <a:t>2018/9/19</a:t>
+              <a:t>2018/10/22</a:t>
             </a:fld>
             <a:endParaRPr kumimoji="1" lang="ja-JP" altLang="en-US"/>
           </a:p>
@@ -3063,7 +3063,7 @@
           <a:p>
             <a:fld id="{423E73C1-A55A-E744-B6CD-C2F9DA663573}" type="datetimeFigureOut">
               <a:rPr kumimoji="1" lang="ja-JP" altLang="en-US" smtClean="0"/>
-              <a:t>2018/9/19</a:t>
+              <a:t>2018/10/22</a:t>
             </a:fld>
             <a:endParaRPr kumimoji="1" lang="ja-JP" altLang="en-US"/>
           </a:p>
@@ -3386,7 +3386,7 @@
           <a:p>
             <a:fld id="{423E73C1-A55A-E744-B6CD-C2F9DA663573}" type="datetimeFigureOut">
               <a:rPr kumimoji="1" lang="ja-JP" altLang="en-US" smtClean="0"/>
-              <a:t>2018/9/19</a:t>
+              <a:t>2018/10/22</a:t>
             </a:fld>
             <a:endParaRPr kumimoji="1" lang="ja-JP" altLang="en-US"/>
           </a:p>
@@ -3634,7 +3634,7 @@
           <a:p>
             <a:fld id="{423E73C1-A55A-E744-B6CD-C2F9DA663573}" type="datetimeFigureOut">
               <a:rPr kumimoji="1" lang="ja-JP" altLang="en-US" smtClean="0"/>
-              <a:t>2018/9/19</a:t>
+              <a:t>2018/10/22</a:t>
             </a:fld>
             <a:endParaRPr kumimoji="1" lang="ja-JP" altLang="en-US"/>
           </a:p>
